--- a/Reference/Model Figure.pptx
+++ b/Reference/Model Figure.pptx
@@ -260,7 +260,7 @@
           <a:p>
             <a:fld id="{30F361D8-F51E-47AB-B585-731DB842DEBD}" type="datetimeFigureOut">
               <a:rPr lang="en-US" smtClean="0"/>
-              <a:t>11-Jan-21</a:t>
+              <a:t>14-Jan-21</a:t>
             </a:fld>
             <a:endParaRPr lang="en-US"/>
           </a:p>
@@ -458,7 +458,7 @@
           <a:p>
             <a:fld id="{30F361D8-F51E-47AB-B585-731DB842DEBD}" type="datetimeFigureOut">
               <a:rPr lang="en-US" smtClean="0"/>
-              <a:t>11-Jan-21</a:t>
+              <a:t>14-Jan-21</a:t>
             </a:fld>
             <a:endParaRPr lang="en-US"/>
           </a:p>
@@ -666,7 +666,7 @@
           <a:p>
             <a:fld id="{30F361D8-F51E-47AB-B585-731DB842DEBD}" type="datetimeFigureOut">
               <a:rPr lang="en-US" smtClean="0"/>
-              <a:t>11-Jan-21</a:t>
+              <a:t>14-Jan-21</a:t>
             </a:fld>
             <a:endParaRPr lang="en-US"/>
           </a:p>
@@ -864,7 +864,7 @@
           <a:p>
             <a:fld id="{30F361D8-F51E-47AB-B585-731DB842DEBD}" type="datetimeFigureOut">
               <a:rPr lang="en-US" smtClean="0"/>
-              <a:t>11-Jan-21</a:t>
+              <a:t>14-Jan-21</a:t>
             </a:fld>
             <a:endParaRPr lang="en-US"/>
           </a:p>
@@ -1139,7 +1139,7 @@
           <a:p>
             <a:fld id="{30F361D8-F51E-47AB-B585-731DB842DEBD}" type="datetimeFigureOut">
               <a:rPr lang="en-US" smtClean="0"/>
-              <a:t>11-Jan-21</a:t>
+              <a:t>14-Jan-21</a:t>
             </a:fld>
             <a:endParaRPr lang="en-US"/>
           </a:p>
@@ -1404,7 +1404,7 @@
           <a:p>
             <a:fld id="{30F361D8-F51E-47AB-B585-731DB842DEBD}" type="datetimeFigureOut">
               <a:rPr lang="en-US" smtClean="0"/>
-              <a:t>11-Jan-21</a:t>
+              <a:t>14-Jan-21</a:t>
             </a:fld>
             <a:endParaRPr lang="en-US"/>
           </a:p>
@@ -1816,7 +1816,7 @@
           <a:p>
             <a:fld id="{30F361D8-F51E-47AB-B585-731DB842DEBD}" type="datetimeFigureOut">
               <a:rPr lang="en-US" smtClean="0"/>
-              <a:t>11-Jan-21</a:t>
+              <a:t>14-Jan-21</a:t>
             </a:fld>
             <a:endParaRPr lang="en-US"/>
           </a:p>
@@ -1957,7 +1957,7 @@
           <a:p>
             <a:fld id="{30F361D8-F51E-47AB-B585-731DB842DEBD}" type="datetimeFigureOut">
               <a:rPr lang="en-US" smtClean="0"/>
-              <a:t>11-Jan-21</a:t>
+              <a:t>14-Jan-21</a:t>
             </a:fld>
             <a:endParaRPr lang="en-US"/>
           </a:p>
@@ -2070,7 +2070,7 @@
           <a:p>
             <a:fld id="{30F361D8-F51E-47AB-B585-731DB842DEBD}" type="datetimeFigureOut">
               <a:rPr lang="en-US" smtClean="0"/>
-              <a:t>11-Jan-21</a:t>
+              <a:t>14-Jan-21</a:t>
             </a:fld>
             <a:endParaRPr lang="en-US"/>
           </a:p>
@@ -2381,7 +2381,7 @@
           <a:p>
             <a:fld id="{30F361D8-F51E-47AB-B585-731DB842DEBD}" type="datetimeFigureOut">
               <a:rPr lang="en-US" smtClean="0"/>
-              <a:t>11-Jan-21</a:t>
+              <a:t>14-Jan-21</a:t>
             </a:fld>
             <a:endParaRPr lang="en-US"/>
           </a:p>
@@ -2669,7 +2669,7 @@
           <a:p>
             <a:fld id="{30F361D8-F51E-47AB-B585-731DB842DEBD}" type="datetimeFigureOut">
               <a:rPr lang="en-US" smtClean="0"/>
-              <a:t>11-Jan-21</a:t>
+              <a:t>14-Jan-21</a:t>
             </a:fld>
             <a:endParaRPr lang="en-US"/>
           </a:p>
@@ -2910,7 +2910,7 @@
           <a:p>
             <a:fld id="{30F361D8-F51E-47AB-B585-731DB842DEBD}" type="datetimeFigureOut">
               <a:rPr lang="en-US" smtClean="0"/>
-              <a:t>11-Jan-21</a:t>
+              <a:t>14-Jan-21</a:t>
             </a:fld>
             <a:endParaRPr lang="en-US"/>
           </a:p>
@@ -3341,7 +3341,7 @@
         </p:nvSpPr>
         <p:spPr>
           <a:xfrm>
-            <a:off x="1306286" y="1642188"/>
+            <a:off x="3371996" y="1772817"/>
             <a:ext cx="989045" cy="867747"/>
           </a:xfrm>
           <a:prstGeom prst="roundRect">
@@ -3378,10 +3378,10 @@
       </p:sp>
       <p:sp>
         <p:nvSpPr>
-          <p:cNvPr id="5" name="Rectangle: Rounded Corners 4">
-            <a:extLst>
-              <a:ext uri="{FF2B5EF4-FFF2-40B4-BE49-F238E27FC236}">
-                <a16:creationId xmlns:a16="http://schemas.microsoft.com/office/drawing/2014/main" id="{C0A1003F-7959-402F-9F78-2F95C5FD857E}"/>
+          <p:cNvPr id="6" name="Rectangle: Rounded Corners 5">
+            <a:extLst>
+              <a:ext uri="{FF2B5EF4-FFF2-40B4-BE49-F238E27FC236}">
+                <a16:creationId xmlns:a16="http://schemas.microsoft.com/office/drawing/2014/main" id="{A3A8DC8D-3B1F-48D3-8C66-1323453578BB}"/>
               </a:ext>
             </a:extLst>
           </p:cNvPr>
@@ -3390,7 +3390,7 @@
         </p:nvSpPr>
         <p:spPr>
           <a:xfrm>
-            <a:off x="3209731" y="1642188"/>
+            <a:off x="5290457" y="1642188"/>
             <a:ext cx="989045" cy="867747"/>
           </a:xfrm>
           <a:prstGeom prst="roundRect">
@@ -3420,17 +3420,17 @@
             <a:pPr algn="ctr"/>
             <a:r>
               <a:rPr lang="en-US" dirty="0"/>
-              <a:t>E</a:t>
-            </a:r>
-          </a:p>
-        </p:txBody>
-      </p:sp>
-      <p:sp>
-        <p:nvSpPr>
-          <p:cNvPr id="6" name="Rectangle: Rounded Corners 5">
-            <a:extLst>
-              <a:ext uri="{FF2B5EF4-FFF2-40B4-BE49-F238E27FC236}">
-                <a16:creationId xmlns:a16="http://schemas.microsoft.com/office/drawing/2014/main" id="{A3A8DC8D-3B1F-48D3-8C66-1323453578BB}"/>
+              <a:t>I</a:t>
+            </a:r>
+          </a:p>
+        </p:txBody>
+      </p:sp>
+      <p:sp>
+        <p:nvSpPr>
+          <p:cNvPr id="7" name="Rectangle: Rounded Corners 6">
+            <a:extLst>
+              <a:ext uri="{FF2B5EF4-FFF2-40B4-BE49-F238E27FC236}">
+                <a16:creationId xmlns:a16="http://schemas.microsoft.com/office/drawing/2014/main" id="{CE40ACE9-D752-44AB-BE99-4DEAC38CDD15}"/>
               </a:ext>
             </a:extLst>
           </p:cNvPr>
@@ -3439,7 +3439,7 @@
         </p:nvSpPr>
         <p:spPr>
           <a:xfrm>
-            <a:off x="5290457" y="1642188"/>
+            <a:off x="7147249" y="643812"/>
             <a:ext cx="989045" cy="867747"/>
           </a:xfrm>
           <a:prstGeom prst="roundRect">
@@ -3469,17 +3469,17 @@
             <a:pPr algn="ctr"/>
             <a:r>
               <a:rPr lang="en-US" dirty="0"/>
-              <a:t>I</a:t>
-            </a:r>
-          </a:p>
-        </p:txBody>
-      </p:sp>
-      <p:sp>
-        <p:nvSpPr>
-          <p:cNvPr id="7" name="Rectangle: Rounded Corners 6">
-            <a:extLst>
-              <a:ext uri="{FF2B5EF4-FFF2-40B4-BE49-F238E27FC236}">
-                <a16:creationId xmlns:a16="http://schemas.microsoft.com/office/drawing/2014/main" id="{CE40ACE9-D752-44AB-BE99-4DEAC38CDD15}"/>
+              <a:t>R</a:t>
+            </a:r>
+          </a:p>
+        </p:txBody>
+      </p:sp>
+      <p:sp>
+        <p:nvSpPr>
+          <p:cNvPr id="8" name="Rectangle: Rounded Corners 7">
+            <a:extLst>
+              <a:ext uri="{FF2B5EF4-FFF2-40B4-BE49-F238E27FC236}">
+                <a16:creationId xmlns:a16="http://schemas.microsoft.com/office/drawing/2014/main" id="{3BF4F4F3-AB9D-47EF-B980-0A15DEB9ACB3}"/>
               </a:ext>
             </a:extLst>
           </p:cNvPr>
@@ -3488,7 +3488,7 @@
         </p:nvSpPr>
         <p:spPr>
           <a:xfrm>
-            <a:off x="7147249" y="643812"/>
+            <a:off x="7147249" y="2761860"/>
             <a:ext cx="989045" cy="867747"/>
           </a:xfrm>
           <a:prstGeom prst="roundRect">
@@ -3518,55 +3518,6 @@
             <a:pPr algn="ctr"/>
             <a:r>
               <a:rPr lang="en-US" dirty="0"/>
-              <a:t>R</a:t>
-            </a:r>
-          </a:p>
-        </p:txBody>
-      </p:sp>
-      <p:sp>
-        <p:nvSpPr>
-          <p:cNvPr id="8" name="Rectangle: Rounded Corners 7">
-            <a:extLst>
-              <a:ext uri="{FF2B5EF4-FFF2-40B4-BE49-F238E27FC236}">
-                <a16:creationId xmlns:a16="http://schemas.microsoft.com/office/drawing/2014/main" id="{3BF4F4F3-AB9D-47EF-B980-0A15DEB9ACB3}"/>
-              </a:ext>
-            </a:extLst>
-          </p:cNvPr>
-          <p:cNvSpPr/>
-          <p:nvPr/>
-        </p:nvSpPr>
-        <p:spPr>
-          <a:xfrm>
-            <a:off x="7147249" y="2761860"/>
-            <a:ext cx="989045" cy="867747"/>
-          </a:xfrm>
-          <a:prstGeom prst="roundRect">
-            <a:avLst/>
-          </a:prstGeom>
-        </p:spPr>
-        <p:style>
-          <a:lnRef idx="2">
-            <a:schemeClr val="accent1">
-              <a:shade val="50000"/>
-            </a:schemeClr>
-          </a:lnRef>
-          <a:fillRef idx="1">
-            <a:schemeClr val="accent1"/>
-          </a:fillRef>
-          <a:effectRef idx="0">
-            <a:schemeClr val="accent1"/>
-          </a:effectRef>
-          <a:fontRef idx="minor">
-            <a:schemeClr val="lt1"/>
-          </a:fontRef>
-        </p:style>
-        <p:txBody>
-          <a:bodyPr rtlCol="0" anchor="ctr"/>
-          <a:lstStyle/>
-          <a:p>
-            <a:pPr algn="ctr"/>
-            <a:r>
-              <a:rPr lang="en-US" dirty="0"/>
               <a:t>D</a:t>
             </a:r>
           </a:p>
@@ -3586,7 +3537,7 @@
         </p:nvCxnSpPr>
         <p:spPr>
           <a:xfrm>
-            <a:off x="2379307" y="1894114"/>
+            <a:off x="4445017" y="2024743"/>
             <a:ext cx="709126" cy="0"/>
           </a:xfrm>
           <a:prstGeom prst="straightConnector1">
@@ -3625,7 +3576,7 @@
         </p:nvSpPr>
         <p:spPr>
           <a:xfrm>
-            <a:off x="2521637" y="1511559"/>
+            <a:off x="4587347" y="1642188"/>
             <a:ext cx="458780" cy="369332"/>
           </a:xfrm>
           <a:prstGeom prst="rect">
@@ -3647,81 +3598,6 @@
           </a:p>
         </p:txBody>
       </p:sp>
-      <p:sp>
-        <p:nvSpPr>
-          <p:cNvPr id="13" name="TextBox 12">
-            <a:extLst>
-              <a:ext uri="{FF2B5EF4-FFF2-40B4-BE49-F238E27FC236}">
-                <a16:creationId xmlns:a16="http://schemas.microsoft.com/office/drawing/2014/main" id="{1A5612E0-0F23-4367-B984-9814B79CEC23}"/>
-              </a:ext>
-            </a:extLst>
-          </p:cNvPr>
-          <p:cNvSpPr txBox="1"/>
-          <p:nvPr/>
-        </p:nvSpPr>
-        <p:spPr>
-          <a:xfrm>
-            <a:off x="4533888" y="1528675"/>
-            <a:ext cx="418704" cy="369332"/>
-          </a:xfrm>
-          <a:prstGeom prst="rect">
-            <a:avLst/>
-          </a:prstGeom>
-          <a:noFill/>
-        </p:spPr>
-        <p:txBody>
-          <a:bodyPr wrap="none" rtlCol="0">
-            <a:spAutoFit/>
-          </a:bodyPr>
-          <a:lstStyle/>
-          <a:p>
-            <a:r>
-              <a:rPr lang="en-US" dirty="0" err="1"/>
-              <a:t>bE</a:t>
-            </a:r>
-            <a:endParaRPr lang="en-US" dirty="0"/>
-          </a:p>
-        </p:txBody>
-      </p:sp>
-      <p:cxnSp>
-        <p:nvCxnSpPr>
-          <p:cNvPr id="14" name="Straight Arrow Connector 13">
-            <a:extLst>
-              <a:ext uri="{FF2B5EF4-FFF2-40B4-BE49-F238E27FC236}">
-                <a16:creationId xmlns:a16="http://schemas.microsoft.com/office/drawing/2014/main" id="{E3540FAC-A214-4BBC-8909-AD9109A49B75}"/>
-              </a:ext>
-            </a:extLst>
-          </p:cNvPr>
-          <p:cNvCxnSpPr/>
-          <p:nvPr/>
-        </p:nvCxnSpPr>
-        <p:spPr>
-          <a:xfrm>
-            <a:off x="4370601" y="1894114"/>
-            <a:ext cx="709126" cy="0"/>
-          </a:xfrm>
-          <a:prstGeom prst="straightConnector1">
-            <a:avLst/>
-          </a:prstGeom>
-          <a:ln>
-            <a:tailEnd type="triangle"/>
-          </a:ln>
-        </p:spPr>
-        <p:style>
-          <a:lnRef idx="1">
-            <a:schemeClr val="accent1"/>
-          </a:lnRef>
-          <a:fillRef idx="0">
-            <a:schemeClr val="accent1"/>
-          </a:fillRef>
-          <a:effectRef idx="0">
-            <a:schemeClr val="accent1"/>
-          </a:effectRef>
-          <a:fontRef idx="minor">
-            <a:schemeClr val="tx1"/>
-          </a:fontRef>
-        </p:style>
-      </p:cxnSp>
       <p:cxnSp>
         <p:nvCxnSpPr>
           <p:cNvPr id="15" name="Straight Arrow Connector 14">
@@ -3819,7 +3695,7 @@
         <p:spPr>
           <a:xfrm>
             <a:off x="6402509" y="1230868"/>
-            <a:ext cx="340158" cy="369332"/>
+            <a:ext cx="364202" cy="369332"/>
           </a:xfrm>
           <a:prstGeom prst="rect">
             <a:avLst/>
@@ -3834,7 +3710,7 @@
           <a:p>
             <a:r>
               <a:rPr lang="en-US" dirty="0" err="1"/>
-              <a:t>cI</a:t>
+              <a:t>bI</a:t>
             </a:r>
             <a:endParaRPr lang="en-US" dirty="0"/>
           </a:p>
@@ -3855,7 +3731,7 @@
         <p:spPr>
           <a:xfrm>
             <a:off x="6402509" y="2509935"/>
-            <a:ext cx="364202" cy="369332"/>
+            <a:ext cx="340158" cy="369332"/>
           </a:xfrm>
           <a:prstGeom prst="rect">
             <a:avLst/>
@@ -3870,7 +3746,7 @@
           <a:p>
             <a:r>
               <a:rPr lang="en-US" dirty="0" err="1"/>
-              <a:t>dI</a:t>
+              <a:t>cI</a:t>
             </a:r>
             <a:endParaRPr lang="en-US" dirty="0"/>
           </a:p>
@@ -3891,7 +3767,7 @@
         <p:spPr>
           <a:xfrm>
             <a:off x="1520890" y="4544008"/>
-            <a:ext cx="1834156" cy="1754326"/>
+            <a:ext cx="1871025" cy="1477328"/>
           </a:xfrm>
           <a:prstGeom prst="rect">
             <a:avLst/>
@@ -3910,19 +3786,24 @@
             </a:r>
             <a:r>
               <a:rPr lang="en-US" dirty="0"/>
-              <a:t>/dt = -al</a:t>
-            </a:r>
+              <a:t>/dt = -</a:t>
+            </a:r>
+            <a:r>
+              <a:rPr lang="en-US" dirty="0" err="1"/>
+              <a:t>alS</a:t>
+            </a:r>
+            <a:endParaRPr lang="en-US" dirty="0"/>
           </a:p>
           <a:p>
             <a:r>
               <a:rPr lang="en-US" dirty="0"/>
-              <a:t>ds/dt = 1 –E-I-R-D</a:t>
+              <a:t>ds/dt = 1 -I-R-D</a:t>
             </a:r>
           </a:p>
           <a:p>
             <a:r>
               <a:rPr lang="en-US" dirty="0" err="1"/>
-              <a:t>dE</a:t>
+              <a:t>dI</a:t>
             </a:r>
             <a:r>
               <a:rPr lang="en-US" dirty="0"/>
@@ -3930,21 +3811,11 @@
             </a:r>
             <a:r>
               <a:rPr lang="en-US" dirty="0" err="1"/>
-              <a:t>alS</a:t>
+              <a:t>aIS</a:t>
             </a:r>
             <a:r>
               <a:rPr lang="en-US" dirty="0"/>
-              <a:t> – be</a:t>
-            </a:r>
-          </a:p>
-          <a:p>
-            <a:r>
-              <a:rPr lang="en-US" dirty="0" err="1"/>
-              <a:t>dI</a:t>
-            </a:r>
-            <a:r>
-              <a:rPr lang="en-US" dirty="0"/>
-              <a:t>/dt = be – cl - dl</a:t>
+              <a:t> – bl - cl</a:t>
             </a:r>
           </a:p>
           <a:p>
@@ -3954,7 +3825,7 @@
             </a:r>
             <a:r>
               <a:rPr lang="en-US" dirty="0"/>
-              <a:t>/dt = cl</a:t>
+              <a:t>/dt = bl</a:t>
             </a:r>
           </a:p>
           <a:p>
@@ -3964,7 +3835,7 @@
             </a:r>
             <a:r>
               <a:rPr lang="en-US" dirty="0"/>
-              <a:t>/dt = dl</a:t>
+              <a:t>/dt = cl</a:t>
             </a:r>
           </a:p>
         </p:txBody>
